--- a/Matches/USPSA - Renton - July 2021/Bay 6, possibly - Watch The Bobber.pptx
+++ b/Matches/USPSA - Renton - July 2021/Bay 6, possibly - Watch The Bobber.pptx
@@ -379,6 +379,30 @@
             <ac:picMk id="3114" creationId="{00000000-0000-0000-0000-000000000000}"/>
           </ac:picMkLst>
         </pc:picChg>
+      </pc:sldChg>
+    </pc:docChg>
+  </pc:docChgLst>
+  <pc:docChgLst>
+    <pc:chgData name="Matt Carlson" userId="0e792f37f00095d9" providerId="LiveId" clId="{C69FA696-83C7-4BB0-AB2D-68FFD9ECEC07}"/>
+    <pc:docChg chg="modSld">
+      <pc:chgData name="Matt Carlson" userId="0e792f37f00095d9" providerId="LiveId" clId="{C69FA696-83C7-4BB0-AB2D-68FFD9ECEC07}" dt="2019-07-23T04:28:24.308" v="29" actId="20577"/>
+      <pc:docMkLst>
+        <pc:docMk/>
+      </pc:docMkLst>
+      <pc:sldChg chg="modSp">
+        <pc:chgData name="Matt Carlson" userId="0e792f37f00095d9" providerId="LiveId" clId="{C69FA696-83C7-4BB0-AB2D-68FFD9ECEC07}" dt="2019-07-23T04:28:24.308" v="29" actId="20577"/>
+        <pc:sldMkLst>
+          <pc:docMk/>
+          <pc:sldMk cId="0" sldId="274"/>
+        </pc:sldMkLst>
+        <pc:graphicFrameChg chg="modGraphic">
+          <ac:chgData name="Matt Carlson" userId="0e792f37f00095d9" providerId="LiveId" clId="{C69FA696-83C7-4BB0-AB2D-68FFD9ECEC07}" dt="2019-07-23T04:28:24.308" v="29" actId="20577"/>
+          <ac:graphicFrameMkLst>
+            <pc:docMk/>
+            <pc:sldMk cId="0" sldId="274"/>
+            <ac:graphicFrameMk id="110" creationId="{00000000-0000-0000-0000-000000000000}"/>
+          </ac:graphicFrameMkLst>
+        </pc:graphicFrameChg>
       </pc:sldChg>
     </pc:docChg>
   </pc:docChgLst>
@@ -894,30 +918,6 @@
     </pc:docChg>
   </pc:docChgLst>
   <pc:docChgLst>
-    <pc:chgData name="Matt Carlson" userId="0e792f37f00095d9" providerId="LiveId" clId="{C69FA696-83C7-4BB0-AB2D-68FFD9ECEC07}"/>
-    <pc:docChg chg="modSld">
-      <pc:chgData name="Matt Carlson" userId="0e792f37f00095d9" providerId="LiveId" clId="{C69FA696-83C7-4BB0-AB2D-68FFD9ECEC07}" dt="2019-07-23T04:28:24.308" v="29" actId="20577"/>
-      <pc:docMkLst>
-        <pc:docMk/>
-      </pc:docMkLst>
-      <pc:sldChg chg="modSp">
-        <pc:chgData name="Matt Carlson" userId="0e792f37f00095d9" providerId="LiveId" clId="{C69FA696-83C7-4BB0-AB2D-68FFD9ECEC07}" dt="2019-07-23T04:28:24.308" v="29" actId="20577"/>
-        <pc:sldMkLst>
-          <pc:docMk/>
-          <pc:sldMk cId="0" sldId="274"/>
-        </pc:sldMkLst>
-        <pc:graphicFrameChg chg="modGraphic">
-          <ac:chgData name="Matt Carlson" userId="0e792f37f00095d9" providerId="LiveId" clId="{C69FA696-83C7-4BB0-AB2D-68FFD9ECEC07}" dt="2019-07-23T04:28:24.308" v="29" actId="20577"/>
-          <ac:graphicFrameMkLst>
-            <pc:docMk/>
-            <pc:sldMk cId="0" sldId="274"/>
-            <ac:graphicFrameMk id="110" creationId="{00000000-0000-0000-0000-000000000000}"/>
-          </ac:graphicFrameMkLst>
-        </pc:graphicFrameChg>
-      </pc:sldChg>
-    </pc:docChg>
-  </pc:docChgLst>
-  <pc:docChgLst>
     <pc:chgData name="Matt Carlson" userId="0e792f37f00095d9" providerId="LiveId" clId="{15D46527-F250-4BD3-B0B0-794B9B42F133}"/>
     <pc:docChg chg="modSld">
       <pc:chgData name="Matt Carlson" userId="0e792f37f00095d9" providerId="LiveId" clId="{15D46527-F250-4BD3-B0B0-794B9B42F133}" dt="2019-10-26T06:24:30.994" v="0"/>
@@ -1046,7 +1046,7 @@
               <a:pPr>
                 <a:defRPr/>
               </a:pPr>
-              <a:t>4/14/21</a:t>
+              <a:t>12.07.2021</a:t>
             </a:fld>
             <a:endParaRPr lang="en-US"/>
           </a:p>
@@ -5994,14 +5994,14 @@
           <p:nvPr>
             <p:extLst>
               <p:ext uri="{D42A27DB-BD31-4B8C-83A1-F6EECF244321}">
-                <p14:modId xmlns:p14="http://schemas.microsoft.com/office/powerpoint/2010/main" val="3124752636"/>
+                <p14:modId xmlns:p14="http://schemas.microsoft.com/office/powerpoint/2010/main" val="1878166421"/>
               </p:ext>
             </p:extLst>
           </p:nvPr>
         </p:nvGraphicFramePr>
         <p:xfrm>
           <a:off x="177800" y="165100"/>
-          <a:ext cx="6997700" cy="2808708"/>
+          <a:ext cx="6997700" cy="1252720"/>
         </p:xfrm>
         <a:graphic>
           <a:graphicData uri="http://schemas.openxmlformats.org/drawingml/2006/table">
@@ -6015,17 +6015,10 @@
                     </a:ext>
                   </a:extLst>
                 </a:gridCol>
-                <a:gridCol w="2527300">
+                <a:gridCol w="4953000">
                   <a:extLst>
                     <a:ext uri="{9D8B030D-6E8A-4147-A177-3AD203B41FA5}">
                       <a16:colId xmlns:a16="http://schemas.microsoft.com/office/drawing/2014/main" val="20001"/>
-                    </a:ext>
-                  </a:extLst>
-                </a:gridCol>
-                <a:gridCol w="2425700">
-                  <a:extLst>
-                    <a:ext uri="{9D8B030D-6E8A-4147-A177-3AD203B41FA5}">
-                      <a16:colId xmlns:a16="http://schemas.microsoft.com/office/drawing/2014/main" val="20002"/>
                     </a:ext>
                   </a:extLst>
                 </a:gridCol>
@@ -6107,7 +6100,7 @@
                     </a:solidFill>
                   </a:tcPr>
                 </a:tc>
-                <a:tc gridSpan="2">
+                <a:tc>
                   <a:txBody>
                     <a:bodyPr/>
                     <a:lstStyle/>
@@ -6318,16 +6311,6 @@
                     </a:solidFill>
                   </a:tcPr>
                 </a:tc>
-                <a:tc hMerge="1">
-                  <a:txBody>
-                    <a:bodyPr/>
-                    <a:lstStyle/>
-                    <a:p>
-                      <a:endParaRPr lang="en-US"/>
-                    </a:p>
-                  </a:txBody>
-                  <a:tcPr/>
-                </a:tc>
                 <a:tc>
                   <a:txBody>
                     <a:bodyPr/>
@@ -6400,672 +6383,6 @@
                 <a:extLst>
                   <a:ext uri="{0D108BD9-81ED-4DB2-BD59-A6C34878D82A}">
                     <a16:rowId xmlns:a16="http://schemas.microsoft.com/office/drawing/2014/main" val="10000"/>
-                  </a:ext>
-                </a:extLst>
-              </a:tr>
-              <a:tr h="341282">
-                <a:tc gridSpan="4">
-                  <a:txBody>
-                    <a:bodyPr/>
-                    <a:lstStyle/>
-                    <a:p>
-                      <a:pPr marL="0" marR="0" lvl="0" indent="0" algn="l" defTabSz="966788" rtl="0" eaLnBrk="1" fontAlgn="base" latinLnBrk="0" hangingPunct="1">
-                        <a:lnSpc>
-                          <a:spcPct val="90000"/>
-                        </a:lnSpc>
-                        <a:spcBef>
-                          <a:spcPct val="10000"/>
-                        </a:spcBef>
-                        <a:spcAft>
-                          <a:spcPct val="0"/>
-                        </a:spcAft>
-                        <a:buClrTx/>
-                        <a:buSzTx/>
-                        <a:buFontTx/>
-                        <a:buNone/>
-                        <a:tabLst/>
-                      </a:pPr>
-                      <a:r>
-                        <a:rPr kumimoji="0" lang="en-US" sz="1100" b="1" i="0" u="none" strike="noStrike" cap="none" normalizeH="0" baseline="0" dirty="0">
-                          <a:ln>
-                            <a:noFill/>
-                          </a:ln>
-                          <a:solidFill>
-                            <a:schemeClr val="tx1"/>
-                          </a:solidFill>
-                          <a:effectLst/>
-                          <a:latin typeface="Arial" charset="0"/>
-                          <a:cs typeface="Times New Roman" charset="0"/>
-                        </a:rPr>
-                        <a:t>START POSITION: </a:t>
-                      </a:r>
-                      <a:r>
-                        <a:rPr kumimoji="0" lang="en-US" sz="1100" b="0" i="0" u="none" strike="noStrike" cap="none" normalizeH="0" baseline="0" dirty="0">
-                          <a:ln>
-                            <a:noFill/>
-                          </a:ln>
-                          <a:solidFill>
-                            <a:schemeClr val="tx1"/>
-                          </a:solidFill>
-                          <a:effectLst/>
-                          <a:latin typeface="Arial" charset="0"/>
-                          <a:cs typeface="Times New Roman" charset="0"/>
-                        </a:rPr>
-                        <a:t>Standing anywhere inside shooting area.</a:t>
-                      </a:r>
-                    </a:p>
-                    <a:p>
-                      <a:pPr marL="0" marR="0" lvl="0" indent="0" algn="l" defTabSz="966788" rtl="0" eaLnBrk="1" fontAlgn="base" latinLnBrk="0" hangingPunct="1">
-                        <a:lnSpc>
-                          <a:spcPct val="90000"/>
-                        </a:lnSpc>
-                        <a:spcBef>
-                          <a:spcPct val="10000"/>
-                        </a:spcBef>
-                        <a:spcAft>
-                          <a:spcPct val="0"/>
-                        </a:spcAft>
-                        <a:buClrTx/>
-                        <a:buSzTx/>
-                        <a:buFontTx/>
-                        <a:buNone/>
-                        <a:tabLst/>
-                      </a:pPr>
-                      <a:r>
-                        <a:rPr kumimoji="0" lang="en-US" sz="1100" b="1" i="0" u="none" strike="noStrike" cap="none" normalizeH="0" baseline="0" dirty="0">
-                          <a:ln>
-                            <a:noFill/>
-                          </a:ln>
-                          <a:solidFill>
-                            <a:schemeClr val="tx1"/>
-                          </a:solidFill>
-                          <a:effectLst/>
-                          <a:latin typeface="Arial" charset="0"/>
-                          <a:cs typeface="Times New Roman" charset="0"/>
-                        </a:rPr>
-                        <a:t>Handgun</a:t>
-                      </a:r>
-                      <a:r>
-                        <a:rPr kumimoji="0" lang="en-US" sz="1100" b="0" i="0" u="none" strike="noStrike" cap="none" normalizeH="0" baseline="0" dirty="0">
-                          <a:ln>
-                            <a:noFill/>
-                          </a:ln>
-                          <a:solidFill>
-                            <a:schemeClr val="tx1"/>
-                          </a:solidFill>
-                          <a:effectLst/>
-                          <a:latin typeface="Arial" charset="0"/>
-                          <a:cs typeface="Times New Roman" charset="0"/>
-                        </a:rPr>
-                        <a:t>: Loaded and holstered, wrists below belt.</a:t>
-                      </a:r>
-                    </a:p>
-                    <a:p>
-                      <a:pPr marL="0" marR="0" lvl="0" indent="0" algn="l" defTabSz="966788" rtl="0" eaLnBrk="1" fontAlgn="base" latinLnBrk="0" hangingPunct="1">
-                        <a:lnSpc>
-                          <a:spcPct val="90000"/>
-                        </a:lnSpc>
-                        <a:spcBef>
-                          <a:spcPct val="10000"/>
-                        </a:spcBef>
-                        <a:spcAft>
-                          <a:spcPct val="0"/>
-                        </a:spcAft>
-                        <a:buClrTx/>
-                        <a:buSzTx/>
-                        <a:buFontTx/>
-                        <a:buNone/>
-                        <a:tabLst/>
-                      </a:pPr>
-                      <a:r>
-                        <a:rPr kumimoji="0" lang="en-US" sz="1100" b="1" i="0" u="none" strike="noStrike" cap="none" normalizeH="0" baseline="0" dirty="0">
-                          <a:ln>
-                            <a:noFill/>
-                          </a:ln>
-                          <a:solidFill>
-                            <a:schemeClr val="tx1"/>
-                          </a:solidFill>
-                          <a:effectLst/>
-                          <a:latin typeface="Arial" charset="0"/>
-                          <a:cs typeface="Times New Roman" charset="0"/>
-                        </a:rPr>
-                        <a:t>PCC</a:t>
-                      </a:r>
-                      <a:r>
-                        <a:rPr kumimoji="0" lang="en-US" sz="1100" b="0" i="0" u="none" strike="noStrike" cap="none" normalizeH="0" baseline="0" dirty="0">
-                          <a:ln>
-                            <a:noFill/>
-                          </a:ln>
-                          <a:solidFill>
-                            <a:schemeClr val="tx1"/>
-                          </a:solidFill>
-                          <a:effectLst/>
-                          <a:latin typeface="Arial" charset="0"/>
-                          <a:cs typeface="Times New Roman" charset="0"/>
-                        </a:rPr>
-                        <a:t>: Loaded, safety on, stock on belt, muzzle pointed downrange.</a:t>
-                      </a:r>
-                    </a:p>
-                  </a:txBody>
-                  <a:tcPr marL="18288" marR="18288" marT="36572" marB="36572" horzOverflow="overflow">
-                    <a:lnL w="28575" cap="flat" cmpd="sng" algn="ctr">
-                      <a:solidFill>
-                        <a:schemeClr val="tx1"/>
-                      </a:solidFill>
-                      <a:prstDash val="solid"/>
-                      <a:round/>
-                      <a:headEnd type="none" w="med" len="med"/>
-                      <a:tailEnd type="none" w="med" len="med"/>
-                    </a:lnL>
-                    <a:lnR w="28575" cap="flat" cmpd="sng" algn="ctr">
-                      <a:solidFill>
-                        <a:schemeClr val="tx1"/>
-                      </a:solidFill>
-                      <a:prstDash val="solid"/>
-                      <a:round/>
-                      <a:headEnd type="none" w="med" len="med"/>
-                      <a:tailEnd type="none" w="med" len="med"/>
-                    </a:lnR>
-                    <a:lnT w="28575" cap="flat" cmpd="sng" algn="ctr">
-                      <a:solidFill>
-                        <a:schemeClr val="tx1"/>
-                      </a:solidFill>
-                      <a:prstDash val="solid"/>
-                      <a:round/>
-                      <a:headEnd type="none" w="med" len="med"/>
-                      <a:tailEnd type="none" w="med" len="med"/>
-                    </a:lnT>
-                    <a:lnB w="28575" cap="flat" cmpd="sng" algn="ctr">
-                      <a:solidFill>
-                        <a:schemeClr val="tx1"/>
-                      </a:solidFill>
-                      <a:prstDash val="solid"/>
-                      <a:round/>
-                      <a:headEnd type="none" w="med" len="med"/>
-                      <a:tailEnd type="none" w="med" len="med"/>
-                    </a:lnB>
-                    <a:lnTlToBr>
-                      <a:noFill/>
-                    </a:lnTlToBr>
-                    <a:lnBlToTr>
-                      <a:noFill/>
-                    </a:lnBlToTr>
-                    <a:solidFill>
-                      <a:schemeClr val="bg1"/>
-                    </a:solidFill>
-                  </a:tcPr>
-                </a:tc>
-                <a:tc hMerge="1">
-                  <a:txBody>
-                    <a:bodyPr/>
-                    <a:lstStyle/>
-                    <a:p>
-                      <a:endParaRPr lang="en-US"/>
-                    </a:p>
-                  </a:txBody>
-                  <a:tcPr/>
-                </a:tc>
-                <a:tc hMerge="1">
-                  <a:txBody>
-                    <a:bodyPr/>
-                    <a:lstStyle/>
-                    <a:p>
-                      <a:endParaRPr lang="en-US"/>
-                    </a:p>
-                  </a:txBody>
-                  <a:tcPr/>
-                </a:tc>
-                <a:tc hMerge="1">
-                  <a:txBody>
-                    <a:bodyPr/>
-                    <a:lstStyle/>
-                    <a:p>
-                      <a:endParaRPr lang="en-US"/>
-                    </a:p>
-                  </a:txBody>
-                  <a:tcPr/>
-                </a:tc>
-                <a:extLst>
-                  <a:ext uri="{0D108BD9-81ED-4DB2-BD59-A6C34878D82A}">
-                    <a16:rowId xmlns:a16="http://schemas.microsoft.com/office/drawing/2014/main" val="10001"/>
-                  </a:ext>
-                </a:extLst>
-              </a:tr>
-              <a:tr h="761991">
-                <a:tc gridSpan="2">
-                  <a:txBody>
-                    <a:bodyPr/>
-                    <a:lstStyle/>
-                    <a:p>
-                      <a:pPr marL="0" marR="0" lvl="0" indent="0" algn="l" defTabSz="966788" rtl="0" eaLnBrk="1" fontAlgn="base" latinLnBrk="0" hangingPunct="1">
-                        <a:lnSpc>
-                          <a:spcPct val="100000"/>
-                        </a:lnSpc>
-                        <a:spcBef>
-                          <a:spcPct val="20000"/>
-                        </a:spcBef>
-                        <a:spcAft>
-                          <a:spcPct val="0"/>
-                        </a:spcAft>
-                        <a:buClrTx/>
-                        <a:buSzTx/>
-                        <a:buFontTx/>
-                        <a:buNone/>
-                        <a:tabLst/>
-                      </a:pPr>
-                      <a:r>
-                        <a:rPr kumimoji="0" lang="en-US" sz="1100" b="1" i="0" u="none" strike="noStrike" cap="none" normalizeH="0" baseline="0" dirty="0">
-                          <a:ln>
-                            <a:noFill/>
-                          </a:ln>
-                          <a:solidFill>
-                            <a:schemeClr val="tx1"/>
-                          </a:solidFill>
-                          <a:effectLst/>
-                          <a:latin typeface="Arial" charset="0"/>
-                          <a:cs typeface="Times New Roman" charset="0"/>
-                        </a:rPr>
-                        <a:t>STAGE PROCEDURE: </a:t>
-                      </a:r>
-                      <a:r>
-                        <a:rPr kumimoji="0" lang="en-US" sz="1100" b="0" i="0" u="none" strike="noStrike" cap="none" normalizeH="0" baseline="0" dirty="0">
-                          <a:ln>
-                            <a:noFill/>
-                          </a:ln>
-                          <a:solidFill>
-                            <a:schemeClr val="tx1"/>
-                          </a:solidFill>
-                          <a:effectLst/>
-                          <a:latin typeface="Arial" charset="0"/>
-                          <a:cs typeface="Times New Roman" charset="0"/>
-                        </a:rPr>
-                        <a:t>At the start signal, engage all targets from within the shooting area.</a:t>
-                      </a:r>
-                    </a:p>
-                    <a:p>
-                      <a:pPr marL="0" marR="0" lvl="0" indent="0" algn="l" defTabSz="966788" rtl="0" eaLnBrk="1" fontAlgn="base" latinLnBrk="0" hangingPunct="1">
-                        <a:lnSpc>
-                          <a:spcPct val="100000"/>
-                        </a:lnSpc>
-                        <a:spcBef>
-                          <a:spcPct val="20000"/>
-                        </a:spcBef>
-                        <a:spcAft>
-                          <a:spcPct val="0"/>
-                        </a:spcAft>
-                        <a:buClrTx/>
-                        <a:buSzTx/>
-                        <a:buFontTx/>
-                        <a:buNone/>
-                        <a:tabLst/>
-                      </a:pPr>
-                      <a:endParaRPr kumimoji="0" lang="en-US" sz="1100" b="0" i="0" u="none" strike="noStrike" cap="none" normalizeH="0" baseline="0" dirty="0">
-                        <a:ln>
-                          <a:noFill/>
-                        </a:ln>
-                        <a:solidFill>
-                          <a:schemeClr val="tx1"/>
-                        </a:solidFill>
-                        <a:effectLst/>
-                        <a:latin typeface="Arial" charset="0"/>
-                        <a:cs typeface="Times New Roman" charset="0"/>
-                      </a:endParaRPr>
-                    </a:p>
-                    <a:p>
-                      <a:pPr marL="0" marR="0" lvl="0" indent="0" algn="l" defTabSz="966788" rtl="0" eaLnBrk="1" fontAlgn="base" latinLnBrk="0" hangingPunct="1">
-                        <a:lnSpc>
-                          <a:spcPct val="100000"/>
-                        </a:lnSpc>
-                        <a:spcBef>
-                          <a:spcPct val="20000"/>
-                        </a:spcBef>
-                        <a:spcAft>
-                          <a:spcPct val="0"/>
-                        </a:spcAft>
-                        <a:buClrTx/>
-                        <a:buSzTx/>
-                        <a:buFontTx/>
-                        <a:buNone/>
-                        <a:tabLst/>
-                      </a:pPr>
-                      <a:r>
-                        <a:rPr kumimoji="0" lang="en-US" sz="1100" b="1" i="0" u="none" strike="noStrike" cap="none" normalizeH="0" baseline="0" dirty="0">
-                          <a:ln>
-                            <a:noFill/>
-                          </a:ln>
-                          <a:solidFill>
-                            <a:schemeClr val="tx1"/>
-                          </a:solidFill>
-                          <a:effectLst/>
-                          <a:latin typeface="Arial" charset="0"/>
-                          <a:cs typeface="Times New Roman" charset="0"/>
-                        </a:rPr>
-                        <a:t>NOTE:</a:t>
-                      </a:r>
-                      <a:r>
-                        <a:rPr kumimoji="0" lang="en-US" sz="1100" b="0" i="0" u="none" strike="noStrike" cap="none" normalizeH="0" baseline="0" dirty="0">
-                          <a:ln>
-                            <a:noFill/>
-                          </a:ln>
-                          <a:solidFill>
-                            <a:schemeClr val="tx1"/>
-                          </a:solidFill>
-                          <a:effectLst/>
-                          <a:latin typeface="Arial" charset="0"/>
-                          <a:cs typeface="Times New Roman" charset="0"/>
-                        </a:rPr>
-                        <a:t> Closing middle window opens both outside windows</a:t>
-                      </a:r>
-                    </a:p>
-                  </a:txBody>
-                  <a:tcPr marL="45720" marR="45720" marT="45716" marB="45716" horzOverflow="overflow">
-                    <a:lnL w="28575" cap="flat" cmpd="sng" algn="ctr">
-                      <a:solidFill>
-                        <a:schemeClr val="tx1"/>
-                      </a:solidFill>
-                      <a:prstDash val="solid"/>
-                      <a:round/>
-                      <a:headEnd type="none" w="med" len="med"/>
-                      <a:tailEnd type="none" w="med" len="med"/>
-                    </a:lnL>
-                    <a:lnR w="28575" cap="flat" cmpd="sng" algn="ctr">
-                      <a:solidFill>
-                        <a:schemeClr val="tx1"/>
-                      </a:solidFill>
-                      <a:prstDash val="solid"/>
-                      <a:round/>
-                      <a:headEnd type="none" w="med" len="med"/>
-                      <a:tailEnd type="none" w="med" len="med"/>
-                    </a:lnR>
-                    <a:lnT w="28575" cap="flat" cmpd="sng" algn="ctr">
-                      <a:solidFill>
-                        <a:schemeClr val="tx1"/>
-                      </a:solidFill>
-                      <a:prstDash val="solid"/>
-                      <a:round/>
-                      <a:headEnd type="none" w="med" len="med"/>
-                      <a:tailEnd type="none" w="med" len="med"/>
-                    </a:lnT>
-                    <a:lnB w="28575" cap="flat" cmpd="sng" algn="ctr">
-                      <a:solidFill>
-                        <a:schemeClr val="tx1"/>
-                      </a:solidFill>
-                      <a:prstDash val="solid"/>
-                      <a:round/>
-                      <a:headEnd type="none" w="med" len="med"/>
-                      <a:tailEnd type="none" w="med" len="med"/>
-                    </a:lnB>
-                    <a:lnTlToBr>
-                      <a:noFill/>
-                    </a:lnTlToBr>
-                    <a:lnBlToTr>
-                      <a:noFill/>
-                    </a:lnBlToTr>
-                    <a:solidFill>
-                      <a:schemeClr val="bg1"/>
-                    </a:solidFill>
-                  </a:tcPr>
-                </a:tc>
-                <a:tc hMerge="1">
-                  <a:txBody>
-                    <a:bodyPr/>
-                    <a:lstStyle/>
-                    <a:p>
-                      <a:endParaRPr lang="en-US"/>
-                    </a:p>
-                  </a:txBody>
-                  <a:tcPr/>
-                </a:tc>
-                <a:tc gridSpan="2">
-                  <a:txBody>
-                    <a:bodyPr/>
-                    <a:lstStyle/>
-                    <a:p>
-                      <a:pPr marL="0" marR="0" lvl="0" indent="0" algn="l" defTabSz="966788" rtl="0" eaLnBrk="0" fontAlgn="base" latinLnBrk="0" hangingPunct="0">
-                        <a:lnSpc>
-                          <a:spcPct val="100000"/>
-                        </a:lnSpc>
-                        <a:spcBef>
-                          <a:spcPct val="0"/>
-                        </a:spcBef>
-                        <a:spcAft>
-                          <a:spcPct val="0"/>
-                        </a:spcAft>
-                        <a:buClrTx/>
-                        <a:buSzTx/>
-                        <a:buFontTx/>
-                        <a:buNone/>
-                        <a:tabLst/>
-                      </a:pPr>
-                      <a:r>
-                        <a:rPr kumimoji="0" lang="en-US" sz="1100" b="1" i="0" u="none" strike="noStrike" cap="none" normalizeH="0" baseline="0" dirty="0">
-                          <a:ln>
-                            <a:noFill/>
-                          </a:ln>
-                          <a:solidFill>
-                            <a:schemeClr val="tx1"/>
-                          </a:solidFill>
-                          <a:effectLst/>
-                          <a:latin typeface="Arial" charset="0"/>
-                          <a:cs typeface="Times New Roman" charset="0"/>
-                        </a:rPr>
-                        <a:t>SCORING:          </a:t>
-                      </a:r>
-                      <a:r>
-                        <a:rPr kumimoji="0" lang="en-US" sz="1100" b="0" i="0" u="none" strike="noStrike" cap="none" normalizeH="0" baseline="0" dirty="0">
-                          <a:ln>
-                            <a:noFill/>
-                          </a:ln>
-                          <a:solidFill>
-                            <a:schemeClr val="tx1"/>
-                          </a:solidFill>
-                          <a:effectLst/>
-                          <a:latin typeface="Arial" charset="0"/>
-                          <a:cs typeface="Times New Roman" charset="0"/>
-                        </a:rPr>
-                        <a:t>Comstock, 12 rounds, 60 points</a:t>
-                      </a:r>
-                    </a:p>
-                    <a:p>
-                      <a:pPr marL="0" marR="0" lvl="0" indent="0" algn="l" defTabSz="966788" rtl="0" eaLnBrk="0" fontAlgn="base" latinLnBrk="0" hangingPunct="0">
-                        <a:lnSpc>
-                          <a:spcPct val="100000"/>
-                        </a:lnSpc>
-                        <a:spcBef>
-                          <a:spcPct val="0"/>
-                        </a:spcBef>
-                        <a:spcAft>
-                          <a:spcPct val="0"/>
-                        </a:spcAft>
-                        <a:buClrTx/>
-                        <a:buSzTx/>
-                        <a:buFontTx/>
-                        <a:buNone/>
-                        <a:tabLst/>
-                      </a:pPr>
-                      <a:r>
-                        <a:rPr kumimoji="0" lang="en-US" sz="1100" b="1" i="0" u="none" strike="noStrike" cap="none" normalizeH="0" baseline="0" dirty="0">
-                          <a:ln>
-                            <a:noFill/>
-                          </a:ln>
-                          <a:solidFill>
-                            <a:schemeClr val="tx1"/>
-                          </a:solidFill>
-                          <a:effectLst/>
-                          <a:latin typeface="Arial" charset="0"/>
-                          <a:cs typeface="Times New Roman" charset="0"/>
-                        </a:rPr>
-                        <a:t>TARGETS:</a:t>
-                      </a:r>
-                      <a:r>
-                        <a:rPr kumimoji="0" lang="en-US" sz="1100" b="0" i="0" u="none" strike="noStrike" cap="none" normalizeH="0" baseline="0" dirty="0">
-                          <a:ln>
-                            <a:noFill/>
-                          </a:ln>
-                          <a:solidFill>
-                            <a:schemeClr val="tx1"/>
-                          </a:solidFill>
-                          <a:effectLst/>
-                          <a:latin typeface="Arial" charset="0"/>
-                          <a:cs typeface="Times New Roman" charset="0"/>
-                        </a:rPr>
-                        <a:t>	   6 metric</a:t>
-                      </a:r>
-                    </a:p>
-                    <a:p>
-                      <a:pPr marL="0" marR="0" lvl="0" indent="0" algn="l" defTabSz="966788" rtl="0" eaLnBrk="0" fontAlgn="base" latinLnBrk="0" hangingPunct="0">
-                        <a:lnSpc>
-                          <a:spcPct val="100000"/>
-                        </a:lnSpc>
-                        <a:spcBef>
-                          <a:spcPct val="0"/>
-                        </a:spcBef>
-                        <a:spcAft>
-                          <a:spcPct val="0"/>
-                        </a:spcAft>
-                        <a:buClrTx/>
-                        <a:buSzTx/>
-                        <a:buFontTx/>
-                        <a:buNone/>
-                        <a:tabLst/>
-                      </a:pPr>
-                      <a:r>
-                        <a:rPr kumimoji="0" lang="en-US" sz="1100" b="1" i="0" u="none" strike="noStrike" cap="none" normalizeH="0" baseline="0" dirty="0">
-                          <a:ln>
-                            <a:noFill/>
-                          </a:ln>
-                          <a:solidFill>
-                            <a:schemeClr val="tx1"/>
-                          </a:solidFill>
-                          <a:effectLst/>
-                          <a:latin typeface="Arial" charset="0"/>
-                          <a:cs typeface="Times New Roman" charset="0"/>
-                        </a:rPr>
-                        <a:t>SCORED HITS:  </a:t>
-                      </a:r>
-                      <a:r>
-                        <a:rPr kumimoji="0" lang="en-US" sz="1100" b="0" i="0" u="none" strike="noStrike" cap="none" normalizeH="0" baseline="0" dirty="0">
-                          <a:ln>
-                            <a:noFill/>
-                          </a:ln>
-                          <a:solidFill>
-                            <a:schemeClr val="tx1"/>
-                          </a:solidFill>
-                          <a:effectLst/>
-                          <a:latin typeface="Arial" charset="0"/>
-                          <a:cs typeface="Times New Roman" charset="0"/>
-                        </a:rPr>
-                        <a:t>Best 2 per paper</a:t>
-                      </a:r>
-                    </a:p>
-                    <a:p>
-                      <a:pPr marL="0" marR="0" lvl="0" indent="0" algn="l" defTabSz="966788" rtl="0" eaLnBrk="0" fontAlgn="base" latinLnBrk="0" hangingPunct="0">
-                        <a:lnSpc>
-                          <a:spcPct val="100000"/>
-                        </a:lnSpc>
-                        <a:spcBef>
-                          <a:spcPct val="0"/>
-                        </a:spcBef>
-                        <a:spcAft>
-                          <a:spcPct val="0"/>
-                        </a:spcAft>
-                        <a:buClrTx/>
-                        <a:buSzTx/>
-                        <a:buFontTx/>
-                        <a:buNone/>
-                        <a:tabLst/>
-                      </a:pPr>
-                      <a:r>
-                        <a:rPr kumimoji="0" lang="en-US" sz="1100" b="1" i="0" u="none" strike="noStrike" cap="none" normalizeH="0" baseline="0" dirty="0">
-                          <a:ln>
-                            <a:noFill/>
-                          </a:ln>
-                          <a:solidFill>
-                            <a:schemeClr val="tx1"/>
-                          </a:solidFill>
-                          <a:effectLst/>
-                          <a:latin typeface="Arial" charset="0"/>
-                          <a:cs typeface="Times New Roman" charset="0"/>
-                        </a:rPr>
-                        <a:t>START-STOP:    </a:t>
-                      </a:r>
-                      <a:r>
-                        <a:rPr kumimoji="0" lang="en-US" sz="1100" b="0" i="0" u="none" strike="noStrike" cap="none" normalizeH="0" baseline="0" dirty="0">
-                          <a:ln>
-                            <a:noFill/>
-                          </a:ln>
-                          <a:solidFill>
-                            <a:schemeClr val="tx1"/>
-                          </a:solidFill>
-                          <a:effectLst/>
-                          <a:latin typeface="Arial" charset="0"/>
-                          <a:cs typeface="Times New Roman" charset="0"/>
-                        </a:rPr>
-                        <a:t>Audible - Last shot</a:t>
-                      </a:r>
-                    </a:p>
-                  </a:txBody>
-                  <a:tcPr marL="45720" marR="45720" marT="45716" marB="45716" horzOverflow="overflow">
-                    <a:lnL w="28575" cap="flat" cmpd="sng" algn="ctr">
-                      <a:solidFill>
-                        <a:schemeClr val="tx1"/>
-                      </a:solidFill>
-                      <a:prstDash val="solid"/>
-                      <a:round/>
-                      <a:headEnd type="none" w="med" len="med"/>
-                      <a:tailEnd type="none" w="med" len="med"/>
-                    </a:lnL>
-                    <a:lnR w="28575" cap="flat" cmpd="sng" algn="ctr">
-                      <a:solidFill>
-                        <a:schemeClr val="tx1"/>
-                      </a:solidFill>
-                      <a:prstDash val="solid"/>
-                      <a:round/>
-                      <a:headEnd type="none" w="med" len="med"/>
-                      <a:tailEnd type="none" w="med" len="med"/>
-                    </a:lnR>
-                    <a:lnT w="28575" cap="flat" cmpd="sng" algn="ctr">
-                      <a:solidFill>
-                        <a:schemeClr val="tx1"/>
-                      </a:solidFill>
-                      <a:prstDash val="solid"/>
-                      <a:round/>
-                      <a:headEnd type="none" w="med" len="med"/>
-                      <a:tailEnd type="none" w="med" len="med"/>
-                    </a:lnT>
-                    <a:lnB w="28575" cap="flat" cmpd="sng" algn="ctr">
-                      <a:solidFill>
-                        <a:schemeClr val="tx1"/>
-                      </a:solidFill>
-                      <a:prstDash val="solid"/>
-                      <a:round/>
-                      <a:headEnd type="none" w="med" len="med"/>
-                      <a:tailEnd type="none" w="med" len="med"/>
-                    </a:lnB>
-                    <a:lnTlToBr>
-                      <a:noFill/>
-                    </a:lnTlToBr>
-                    <a:lnBlToTr>
-                      <a:noFill/>
-                    </a:lnBlToTr>
-                    <a:solidFill>
-                      <a:schemeClr val="bg1"/>
-                    </a:solidFill>
-                  </a:tcPr>
-                </a:tc>
-                <a:tc hMerge="1">
-                  <a:txBody>
-                    <a:bodyPr/>
-                    <a:lstStyle/>
-                    <a:p>
-                      <a:endParaRPr lang="en-US"/>
-                    </a:p>
-                  </a:txBody>
-                  <a:tcPr/>
-                </a:tc>
-                <a:extLst>
-                  <a:ext uri="{0D108BD9-81ED-4DB2-BD59-A6C34878D82A}">
-                    <a16:rowId xmlns:a16="http://schemas.microsoft.com/office/drawing/2014/main" val="10002"/>
                   </a:ext>
                 </a:extLst>
               </a:tr>
